--- a/Project 3_EH.pptx
+++ b/Project 3_EH.pptx
@@ -349,7 +349,7 @@
             <a:fld id="{B61BEF0D-F0BB-DE4B-95CE-6DB70DBA9567}" type="datetimeFigureOut">
               <a:rPr lang="en-US" dirty="0"/>
               <a:pPr/>
-              <a:t>12/20/2021</a:t>
+              <a:t>12/23/2021</a:t>
             </a:fld>
             <a:endParaRPr lang="en-US" dirty="0"/>
           </a:p>
@@ -680,7 +680,7 @@
             <a:fld id="{B61BEF0D-F0BB-DE4B-95CE-6DB70DBA9567}" type="datetimeFigureOut">
               <a:rPr lang="en-US" dirty="0"/>
               <a:pPr/>
-              <a:t>12/20/2021</a:t>
+              <a:t>12/23/2021</a:t>
             </a:fld>
             <a:endParaRPr lang="en-US" dirty="0"/>
           </a:p>
@@ -955,7 +955,7 @@
             <a:fld id="{B61BEF0D-F0BB-DE4B-95CE-6DB70DBA9567}" type="datetimeFigureOut">
               <a:rPr lang="en-US" dirty="0"/>
               <a:pPr/>
-              <a:t>12/20/2021</a:t>
+              <a:t>12/23/2021</a:t>
             </a:fld>
             <a:endParaRPr lang="en-US" dirty="0"/>
           </a:p>
@@ -1520,7 +1520,7 @@
             <a:fld id="{B61BEF0D-F0BB-DE4B-95CE-6DB70DBA9567}" type="datetimeFigureOut">
               <a:rPr lang="en-US" dirty="0"/>
               <a:pPr/>
-              <a:t>12/20/2021</a:t>
+              <a:t>12/23/2021</a:t>
             </a:fld>
             <a:endParaRPr lang="en-US" dirty="0"/>
           </a:p>
@@ -1795,7 +1795,7 @@
             <a:fld id="{B61BEF0D-F0BB-DE4B-95CE-6DB70DBA9567}" type="datetimeFigureOut">
               <a:rPr lang="en-US" dirty="0"/>
               <a:pPr/>
-              <a:t>12/20/2021</a:t>
+              <a:t>12/23/2021</a:t>
             </a:fld>
             <a:endParaRPr lang="en-US" dirty="0"/>
           </a:p>
@@ -2354,7 +2354,7 @@
             <a:fld id="{B61BEF0D-F0BB-DE4B-95CE-6DB70DBA9567}" type="datetimeFigureOut">
               <a:rPr lang="en-US" dirty="0"/>
               <a:pPr/>
-              <a:t>12/20/2021</a:t>
+              <a:t>12/23/2021</a:t>
             </a:fld>
             <a:endParaRPr lang="en-US" dirty="0"/>
           </a:p>
@@ -2678,7 +2678,7 @@
             <a:fld id="{B61BEF0D-F0BB-DE4B-95CE-6DB70DBA9567}" type="datetimeFigureOut">
               <a:rPr lang="en-US" dirty="0"/>
               <a:pPr/>
-              <a:t>12/20/2021</a:t>
+              <a:t>12/23/2021</a:t>
             </a:fld>
             <a:endParaRPr lang="en-US" dirty="0"/>
           </a:p>
@@ -2880,7 +2880,7 @@
             <a:fld id="{B61BEF0D-F0BB-DE4B-95CE-6DB70DBA9567}" type="datetimeFigureOut">
               <a:rPr lang="en-US" dirty="0"/>
               <a:pPr/>
-              <a:t>12/20/2021</a:t>
+              <a:t>12/23/2021</a:t>
             </a:fld>
             <a:endParaRPr lang="en-US" dirty="0"/>
           </a:p>
@@ -3087,7 +3087,7 @@
             <a:fld id="{B61BEF0D-F0BB-DE4B-95CE-6DB70DBA9567}" type="datetimeFigureOut">
               <a:rPr lang="en-US" dirty="0"/>
               <a:pPr/>
-              <a:t>12/20/2021</a:t>
+              <a:t>12/23/2021</a:t>
             </a:fld>
             <a:endParaRPr lang="en-US" dirty="0"/>
           </a:p>
@@ -3284,7 +3284,7 @@
             <a:fld id="{B61BEF0D-F0BB-DE4B-95CE-6DB70DBA9567}" type="datetimeFigureOut">
               <a:rPr lang="en-US" dirty="0"/>
               <a:pPr/>
-              <a:t>12/20/2021</a:t>
+              <a:t>12/23/2021</a:t>
             </a:fld>
             <a:endParaRPr lang="en-US" dirty="0"/>
           </a:p>
@@ -3557,7 +3557,7 @@
             <a:fld id="{B61BEF0D-F0BB-DE4B-95CE-6DB70DBA9567}" type="datetimeFigureOut">
               <a:rPr lang="en-US" dirty="0"/>
               <a:pPr/>
-              <a:t>12/20/2021</a:t>
+              <a:t>12/23/2021</a:t>
             </a:fld>
             <a:endParaRPr lang="en-US" dirty="0"/>
           </a:p>
@@ -3820,7 +3820,7 @@
             <a:fld id="{B61BEF0D-F0BB-DE4B-95CE-6DB70DBA9567}" type="datetimeFigureOut">
               <a:rPr lang="en-US" dirty="0"/>
               <a:pPr/>
-              <a:t>12/20/2021</a:t>
+              <a:t>12/23/2021</a:t>
             </a:fld>
             <a:endParaRPr lang="en-US" dirty="0"/>
           </a:p>
@@ -4191,7 +4191,7 @@
             <a:fld id="{B61BEF0D-F0BB-DE4B-95CE-6DB70DBA9567}" type="datetimeFigureOut">
               <a:rPr lang="en-US" dirty="0"/>
               <a:pPr/>
-              <a:t>12/20/2021</a:t>
+              <a:t>12/23/2021</a:t>
             </a:fld>
             <a:endParaRPr lang="en-US" dirty="0"/>
           </a:p>
@@ -4336,7 +4336,7 @@
             <a:fld id="{B61BEF0D-F0BB-DE4B-95CE-6DB70DBA9567}" type="datetimeFigureOut">
               <a:rPr lang="en-US" dirty="0"/>
               <a:pPr/>
-              <a:t>12/20/2021</a:t>
+              <a:t>12/23/2021</a:t>
             </a:fld>
             <a:endParaRPr lang="en-US" dirty="0"/>
           </a:p>
@@ -4458,7 +4458,7 @@
             <a:fld id="{B61BEF0D-F0BB-DE4B-95CE-6DB70DBA9567}" type="datetimeFigureOut">
               <a:rPr lang="en-US" dirty="0"/>
               <a:pPr/>
-              <a:t>12/20/2021</a:t>
+              <a:t>12/23/2021</a:t>
             </a:fld>
             <a:endParaRPr lang="en-US" dirty="0"/>
           </a:p>
@@ -4740,7 +4740,7 @@
             <a:fld id="{B61BEF0D-F0BB-DE4B-95CE-6DB70DBA9567}" type="datetimeFigureOut">
               <a:rPr lang="en-US" dirty="0"/>
               <a:pPr/>
-              <a:t>12/20/2021</a:t>
+              <a:t>12/23/2021</a:t>
             </a:fld>
             <a:endParaRPr lang="en-US" dirty="0"/>
           </a:p>
@@ -5061,7 +5061,7 @@
             <a:fld id="{B61BEF0D-F0BB-DE4B-95CE-6DB70DBA9567}" type="datetimeFigureOut">
               <a:rPr lang="en-US" dirty="0"/>
               <a:pPr/>
-              <a:t>12/20/2021</a:t>
+              <a:t>12/23/2021</a:t>
             </a:fld>
             <a:endParaRPr lang="en-US" dirty="0"/>
           </a:p>
@@ -5272,7 +5272,7 @@
             <a:fld id="{B61BEF0D-F0BB-DE4B-95CE-6DB70DBA9567}" type="datetimeFigureOut">
               <a:rPr lang="en-US" dirty="0"/>
               <a:pPr/>
-              <a:t>12/20/2021</a:t>
+              <a:t>12/23/2021</a:t>
             </a:fld>
             <a:endParaRPr lang="en-US" dirty="0"/>
           </a:p>
@@ -5960,7 +5960,7 @@
           <a:p>
             <a:r>
               <a:rPr lang="en-US" dirty="0"/>
-              <a:t>Stakeholder – Medical professionals, Patients With Parkinson’s (PWP), aging adults</a:t>
+              <a:t>Stakeholders – Medical professionals, Patients With Parkinson’s (PWP), aging adults</a:t>
             </a:r>
           </a:p>
           <a:p>
@@ -6091,7 +6091,7 @@
         </p:spPr>
         <p:txBody>
           <a:bodyPr>
-            <a:normAutofit/>
+            <a:normAutofit lnSpcReduction="10000"/>
           </a:bodyPr>
           <a:lstStyle/>
           <a:p>
@@ -6138,7 +6138,7 @@
           <a:p>
             <a:r>
               <a:rPr lang="en-US" dirty="0"/>
-              <a:t>7) The conclusions: x model had a high recall score; it assigned high feature importance to: </a:t>
+              <a:t>7) The conclusions: random forest model had a high recall score; it assigned high feature importance to some jitter and pitch features</a:t>
             </a:r>
           </a:p>
           <a:p>
